--- a/slides/ShortCourse_Getting_Started.pptx
+++ b/slides/ShortCourse_Getting_Started.pptx
@@ -3241,39 +3241,6 @@
       </p:sp>
       <p:cxnSp>
         <p:nvCxnSpPr>
-          <p:cNvPr id="6" name="Straight Connector 5"/>
-          <p:cNvCxnSpPr>
-            <a:cxnSpLocks/>
-          </p:cNvCxnSpPr>
-          <p:nvPr userDrawn="1"/>
-        </p:nvCxnSpPr>
-        <p:spPr>
-          <a:xfrm flipH="1">
-            <a:off x="3048000" y="406280"/>
-            <a:ext cx="8915402" cy="0"/>
-          </a:xfrm>
-          <a:prstGeom prst="line">
-            <a:avLst/>
-          </a:prstGeom>
-          <a:ln w="19050"/>
-        </p:spPr>
-        <p:style>
-          <a:lnRef idx="1">
-            <a:schemeClr val="accent1"/>
-          </a:lnRef>
-          <a:fillRef idx="0">
-            <a:schemeClr val="accent1"/>
-          </a:fillRef>
-          <a:effectRef idx="0">
-            <a:schemeClr val="accent1"/>
-          </a:effectRef>
-          <a:fontRef idx="minor">
-            <a:schemeClr val="tx1"/>
-          </a:fontRef>
-        </p:style>
-      </p:cxnSp>
-      <p:cxnSp>
-        <p:nvCxnSpPr>
           <p:cNvPr id="12" name="Straight Connector 11"/>
           <p:cNvCxnSpPr/>
           <p:nvPr userDrawn="1"/>
@@ -3377,6 +3344,78 @@
           <a:prstGeom prst="rect">
             <a:avLst/>
           </a:prstGeom>
+        </p:spPr>
+      </p:pic>
+      <p:cxnSp>
+        <p:nvCxnSpPr>
+          <p:cNvPr id="10" name="Straight Connector 9">
+            <a:extLst>
+              <a:ext uri="{FF2B5EF4-FFF2-40B4-BE49-F238E27FC236}">
+                <a16:creationId xmlns:a16="http://schemas.microsoft.com/office/drawing/2014/main" id="{35124DB9-3839-A74E-8BAC-B135AD1818D3}"/>
+              </a:ext>
+            </a:extLst>
+          </p:cNvPr>
+          <p:cNvCxnSpPr>
+            <a:cxnSpLocks/>
+          </p:cNvCxnSpPr>
+          <p:nvPr userDrawn="1"/>
+        </p:nvCxnSpPr>
+        <p:spPr>
+          <a:xfrm flipH="1">
+            <a:off x="3048000" y="406280"/>
+            <a:ext cx="7772400" cy="0"/>
+          </a:xfrm>
+          <a:prstGeom prst="line">
+            <a:avLst/>
+          </a:prstGeom>
+          <a:ln w="19050"/>
+        </p:spPr>
+        <p:style>
+          <a:lnRef idx="1">
+            <a:schemeClr val="accent1"/>
+          </a:lnRef>
+          <a:fillRef idx="0">
+            <a:schemeClr val="accent1"/>
+          </a:fillRef>
+          <a:effectRef idx="0">
+            <a:schemeClr val="accent1"/>
+          </a:effectRef>
+          <a:fontRef idx="minor">
+            <a:schemeClr val="tx1"/>
+          </a:fontRef>
+        </p:style>
+      </p:cxnSp>
+      <p:pic>
+        <p:nvPicPr>
+          <p:cNvPr id="11" name="Picture 10">
+            <a:extLst>
+              <a:ext uri="{FF2B5EF4-FFF2-40B4-BE49-F238E27FC236}">
+                <a16:creationId xmlns:a16="http://schemas.microsoft.com/office/drawing/2014/main" id="{36F17E9F-F3C5-2945-A90B-7C1EA0DD46FA}"/>
+              </a:ext>
+            </a:extLst>
+          </p:cNvPr>
+          <p:cNvPicPr>
+            <a:picLocks noChangeAspect="1"/>
+          </p:cNvPicPr>
+          <p:nvPr userDrawn="1"/>
+        </p:nvPicPr>
+        <p:blipFill>
+          <a:blip r:embed="rId12"/>
+          <a:stretch>
+            <a:fillRect/>
+          </a:stretch>
+        </p:blipFill>
+        <p:spPr>
+          <a:xfrm>
+            <a:off x="11053969" y="814"/>
+            <a:ext cx="1056861" cy="1217569"/>
+          </a:xfrm>
+          <a:prstGeom prst="rect">
+            <a:avLst/>
+          </a:prstGeom>
+          <a:effectLst>
+            <a:reflection endPos="0" dist="50800" dir="5400000" sy="-100000" algn="bl" rotWithShape="0"/>
+          </a:effectLst>
         </p:spPr>
       </p:pic>
     </p:spTree>
